--- a/1주차-개별플젝1/구조설계.pptx
+++ b/1주차-개별플젝1/구조설계.pptx
@@ -7,8 +7,8 @@
   <p:sldIdLst>
     <p:sldId id="256" r:id="rId2"/>
     <p:sldId id="257" r:id="rId3"/>
-    <p:sldId id="260" r:id="rId4"/>
-    <p:sldId id="259" r:id="rId5"/>
+    <p:sldId id="259" r:id="rId4"/>
+    <p:sldId id="260" r:id="rId5"/>
   </p:sldIdLst>
   <p:sldSz cx="12192000" cy="6858000"/>
   <p:notesSz cx="6858000" cy="9144000"/>
@@ -262,7 +262,7 @@
           <a:p>
             <a:fld id="{320F397A-0CFE-4147-A48A-A47A6D94E80C}" type="datetimeFigureOut">
               <a:rPr lang="ko-KR" altLang="en-US" smtClean="0"/>
-              <a:t>2024-02-02</a:t>
+              <a:t>2024-02-03</a:t>
             </a:fld>
             <a:endParaRPr lang="ko-KR" altLang="en-US"/>
           </a:p>
@@ -460,7 +460,7 @@
           <a:p>
             <a:fld id="{320F397A-0CFE-4147-A48A-A47A6D94E80C}" type="datetimeFigureOut">
               <a:rPr lang="ko-KR" altLang="en-US" smtClean="0"/>
-              <a:t>2024-02-02</a:t>
+              <a:t>2024-02-03</a:t>
             </a:fld>
             <a:endParaRPr lang="ko-KR" altLang="en-US"/>
           </a:p>
@@ -668,7 +668,7 @@
           <a:p>
             <a:fld id="{320F397A-0CFE-4147-A48A-A47A6D94E80C}" type="datetimeFigureOut">
               <a:rPr lang="ko-KR" altLang="en-US" smtClean="0"/>
-              <a:t>2024-02-02</a:t>
+              <a:t>2024-02-03</a:t>
             </a:fld>
             <a:endParaRPr lang="ko-KR" altLang="en-US"/>
           </a:p>
@@ -866,7 +866,7 @@
           <a:p>
             <a:fld id="{320F397A-0CFE-4147-A48A-A47A6D94E80C}" type="datetimeFigureOut">
               <a:rPr lang="ko-KR" altLang="en-US" smtClean="0"/>
-              <a:t>2024-02-02</a:t>
+              <a:t>2024-02-03</a:t>
             </a:fld>
             <a:endParaRPr lang="ko-KR" altLang="en-US"/>
           </a:p>
@@ -1141,7 +1141,7 @@
           <a:p>
             <a:fld id="{320F397A-0CFE-4147-A48A-A47A6D94E80C}" type="datetimeFigureOut">
               <a:rPr lang="ko-KR" altLang="en-US" smtClean="0"/>
-              <a:t>2024-02-02</a:t>
+              <a:t>2024-02-03</a:t>
             </a:fld>
             <a:endParaRPr lang="ko-KR" altLang="en-US"/>
           </a:p>
@@ -1406,7 +1406,7 @@
           <a:p>
             <a:fld id="{320F397A-0CFE-4147-A48A-A47A6D94E80C}" type="datetimeFigureOut">
               <a:rPr lang="ko-KR" altLang="en-US" smtClean="0"/>
-              <a:t>2024-02-02</a:t>
+              <a:t>2024-02-03</a:t>
             </a:fld>
             <a:endParaRPr lang="ko-KR" altLang="en-US"/>
           </a:p>
@@ -1818,7 +1818,7 @@
           <a:p>
             <a:fld id="{320F397A-0CFE-4147-A48A-A47A6D94E80C}" type="datetimeFigureOut">
               <a:rPr lang="ko-KR" altLang="en-US" smtClean="0"/>
-              <a:t>2024-02-02</a:t>
+              <a:t>2024-02-03</a:t>
             </a:fld>
             <a:endParaRPr lang="ko-KR" altLang="en-US"/>
           </a:p>
@@ -1959,7 +1959,7 @@
           <a:p>
             <a:fld id="{320F397A-0CFE-4147-A48A-A47A6D94E80C}" type="datetimeFigureOut">
               <a:rPr lang="ko-KR" altLang="en-US" smtClean="0"/>
-              <a:t>2024-02-02</a:t>
+              <a:t>2024-02-03</a:t>
             </a:fld>
             <a:endParaRPr lang="ko-KR" altLang="en-US"/>
           </a:p>
@@ -2072,7 +2072,7 @@
           <a:p>
             <a:fld id="{320F397A-0CFE-4147-A48A-A47A6D94E80C}" type="datetimeFigureOut">
               <a:rPr lang="ko-KR" altLang="en-US" smtClean="0"/>
-              <a:t>2024-02-02</a:t>
+              <a:t>2024-02-03</a:t>
             </a:fld>
             <a:endParaRPr lang="ko-KR" altLang="en-US"/>
           </a:p>
@@ -2383,7 +2383,7 @@
           <a:p>
             <a:fld id="{320F397A-0CFE-4147-A48A-A47A6D94E80C}" type="datetimeFigureOut">
               <a:rPr lang="ko-KR" altLang="en-US" smtClean="0"/>
-              <a:t>2024-02-02</a:t>
+              <a:t>2024-02-03</a:t>
             </a:fld>
             <a:endParaRPr lang="ko-KR" altLang="en-US"/>
           </a:p>
@@ -2671,7 +2671,7 @@
           <a:p>
             <a:fld id="{320F397A-0CFE-4147-A48A-A47A6D94E80C}" type="datetimeFigureOut">
               <a:rPr lang="ko-KR" altLang="en-US" smtClean="0"/>
-              <a:t>2024-02-02</a:t>
+              <a:t>2024-02-03</a:t>
             </a:fld>
             <a:endParaRPr lang="ko-KR" altLang="en-US"/>
           </a:p>
@@ -2912,7 +2912,7 @@
           <a:p>
             <a:fld id="{320F397A-0CFE-4147-A48A-A47A6D94E80C}" type="datetimeFigureOut">
               <a:rPr lang="ko-KR" altLang="en-US" smtClean="0"/>
-              <a:t>2024-02-02</a:t>
+              <a:t>2024-02-03</a:t>
             </a:fld>
             <a:endParaRPr lang="ko-KR" altLang="en-US"/>
           </a:p>
@@ -5287,7 +5287,7 @@
         <p:spPr>
           <a:xfrm>
             <a:off x="4912180" y="3114675"/>
-            <a:ext cx="7279820" cy="387415"/>
+            <a:ext cx="7279820" cy="387416"/>
           </a:xfrm>
           <a:prstGeom prst="rect">
             <a:avLst/>
@@ -5321,7 +5321,7 @@
                   <a:schemeClr val="tx1"/>
                 </a:solidFill>
               </a:rPr>
-              <a:t>감속</a:t>
+              <a:t>장애물</a:t>
             </a:r>
             <a:r>
               <a:rPr lang="en-US" altLang="ko-KR" dirty="0">
@@ -5329,7 +5329,7 @@
                   <a:schemeClr val="tx1"/>
                 </a:solidFill>
               </a:rPr>
-              <a:t>, </a:t>
+              <a:t>(10cm </a:t>
             </a:r>
             <a:r>
               <a:rPr lang="ko-KR" altLang="en-US" dirty="0">
@@ -5337,7 +5337,7 @@
                   <a:schemeClr val="tx1"/>
                 </a:solidFill>
               </a:rPr>
-              <a:t>정지모드</a:t>
+              <a:t>이내</a:t>
             </a:r>
             <a:r>
               <a:rPr lang="en-US" altLang="ko-KR" dirty="0">
@@ -5345,7 +5345,7 @@
                   <a:schemeClr val="tx1"/>
                 </a:solidFill>
               </a:rPr>
-              <a:t>(</a:t>
+              <a:t>) -&gt; </a:t>
             </a:r>
             <a:r>
               <a:rPr lang="ko-KR" altLang="en-US" dirty="0">
@@ -5353,21 +5353,8 @@
                   <a:schemeClr val="tx1"/>
                 </a:solidFill>
               </a:rPr>
-              <a:t>청색</a:t>
-            </a:r>
-            <a:r>
-              <a:rPr lang="en-US" altLang="ko-KR" dirty="0">
-                <a:solidFill>
-                  <a:schemeClr val="tx1"/>
-                </a:solidFill>
-              </a:rPr>
-              <a:t>LED)</a:t>
-            </a:r>
-            <a:endParaRPr lang="ko-KR" altLang="en-US" dirty="0">
-              <a:solidFill>
-                <a:schemeClr val="tx1"/>
-              </a:solidFill>
-            </a:endParaRPr>
+              <a:t>초음파센서 사용</a:t>
+            </a:r>
           </a:p>
         </p:txBody>
       </p:sp>
@@ -5386,7 +5373,7 @@
         <p:spPr>
           <a:xfrm>
             <a:off x="4912180" y="3502090"/>
-            <a:ext cx="7279820" cy="1955735"/>
+            <a:ext cx="2389414" cy="1955735"/>
           </a:xfrm>
           <a:prstGeom prst="rect">
             <a:avLst/>
@@ -5428,98 +5415,7 @@
                   <a:schemeClr val="tx1"/>
                 </a:solidFill>
               </a:rPr>
-              <a:t> 모터의 속도가 </a:t>
-            </a:r>
-            <a:r>
-              <a:rPr lang="en-US" altLang="ko-KR" dirty="0">
-                <a:solidFill>
-                  <a:schemeClr val="tx1"/>
-                </a:solidFill>
-              </a:rPr>
-              <a:t>0</a:t>
-            </a:r>
-            <a:r>
-              <a:rPr lang="ko-KR" altLang="en-US" dirty="0">
-                <a:solidFill>
-                  <a:schemeClr val="tx1"/>
-                </a:solidFill>
-              </a:rPr>
-              <a:t>이면 청색</a:t>
-            </a:r>
-            <a:r>
-              <a:rPr lang="en-US" altLang="ko-KR" dirty="0">
-                <a:solidFill>
-                  <a:schemeClr val="tx1"/>
-                </a:solidFill>
-              </a:rPr>
-              <a:t>LED on</a:t>
-            </a:r>
-          </a:p>
-          <a:p>
-            <a:pPr algn="ctr"/>
-            <a:r>
-              <a:rPr lang="en-US" altLang="ko-KR" dirty="0">
-                <a:solidFill>
-                  <a:schemeClr val="tx1"/>
-                </a:solidFill>
-              </a:rPr>
-              <a:t>2. </a:t>
-            </a:r>
-            <a:r>
-              <a:rPr lang="ko-KR" altLang="en-US" dirty="0">
-                <a:solidFill>
-                  <a:schemeClr val="tx1"/>
-                </a:solidFill>
-              </a:rPr>
-              <a:t>모터의 속도가 </a:t>
-            </a:r>
-            <a:r>
-              <a:rPr lang="en-US" altLang="ko-KR" dirty="0">
-                <a:solidFill>
-                  <a:schemeClr val="tx1"/>
-                </a:solidFill>
-              </a:rPr>
-              <a:t>0</a:t>
-            </a:r>
-            <a:r>
-              <a:rPr lang="ko-KR" altLang="en-US" dirty="0">
-                <a:solidFill>
-                  <a:schemeClr val="tx1"/>
-                </a:solidFill>
-              </a:rPr>
-              <a:t>이 아니고 장애물이 </a:t>
-            </a:r>
-            <a:r>
-              <a:rPr lang="en-US" altLang="ko-KR" dirty="0">
-                <a:solidFill>
-                  <a:schemeClr val="tx1"/>
-                </a:solidFill>
-              </a:rPr>
-              <a:t>50cm </a:t>
-            </a:r>
-            <a:r>
-              <a:rPr lang="ko-KR" altLang="en-US" dirty="0">
-                <a:solidFill>
-                  <a:schemeClr val="tx1"/>
-                </a:solidFill>
-              </a:rPr>
-              <a:t>이하일 경우 청색</a:t>
-            </a:r>
-            <a:r>
-              <a:rPr lang="en-US" altLang="ko-KR" dirty="0">
-                <a:solidFill>
-                  <a:schemeClr val="tx1"/>
-                </a:solidFill>
-              </a:rPr>
-              <a:t>LED 0.2</a:t>
-            </a:r>
-            <a:r>
-              <a:rPr lang="ko-KR" altLang="en-US" dirty="0" err="1">
-                <a:solidFill>
-                  <a:schemeClr val="tx1"/>
-                </a:solidFill>
-              </a:rPr>
-              <a:t>초주기</a:t>
+              <a:t>모터 정지</a:t>
             </a:r>
             <a:endParaRPr lang="en-US" altLang="ko-KR" dirty="0">
               <a:solidFill>
@@ -5527,14 +5423,38 @@
               </a:solidFill>
             </a:endParaRPr>
           </a:p>
-        </p:txBody>
-      </p:sp>
-      <p:sp>
-        <p:nvSpPr>
-          <p:cNvPr id="2" name="직사각형 1">
-            <a:extLst>
-              <a:ext uri="{FF2B5EF4-FFF2-40B4-BE49-F238E27FC236}">
-                <a16:creationId xmlns:a16="http://schemas.microsoft.com/office/drawing/2014/main" id="{05EFBB48-973E-6FDE-FA10-B75273643A08}"/>
+          <a:p>
+            <a:pPr algn="ctr"/>
+            <a:r>
+              <a:rPr lang="en-US" altLang="ko-KR" dirty="0">
+                <a:solidFill>
+                  <a:schemeClr val="tx1"/>
+                </a:solidFill>
+              </a:rPr>
+              <a:t>2.10cm</a:t>
+            </a:r>
+            <a:r>
+              <a:rPr lang="ko-KR" altLang="en-US" dirty="0">
+                <a:solidFill>
+                  <a:schemeClr val="tx1"/>
+                </a:solidFill>
+              </a:rPr>
+              <a:t>를 벗어나면 감속된 속도로 복원</a:t>
+            </a:r>
+            <a:endParaRPr lang="en-US" altLang="ko-KR" dirty="0">
+              <a:solidFill>
+                <a:schemeClr val="tx1"/>
+              </a:solidFill>
+            </a:endParaRPr>
+          </a:p>
+        </p:txBody>
+      </p:sp>
+      <p:sp>
+        <p:nvSpPr>
+          <p:cNvPr id="34" name="직사각형 33">
+            <a:extLst>
+              <a:ext uri="{FF2B5EF4-FFF2-40B4-BE49-F238E27FC236}">
+                <a16:creationId xmlns:a16="http://schemas.microsoft.com/office/drawing/2014/main" id="{C27163BB-9206-E5CB-7B20-57822385F818}"/>
               </a:ext>
             </a:extLst>
           </p:cNvPr>
@@ -5543,8 +5463,8 @@
         </p:nvSpPr>
         <p:spPr>
           <a:xfrm>
-            <a:off x="0" y="1158939"/>
-            <a:ext cx="2389415" cy="1955735"/>
+            <a:off x="9802586" y="3502090"/>
+            <a:ext cx="2389414" cy="1955735"/>
           </a:xfrm>
           <a:prstGeom prst="rect">
             <a:avLst/>
@@ -5573,6 +5493,145 @@
           <a:p>
             <a:pPr algn="ctr"/>
             <a:r>
+              <a:rPr lang="en-US" altLang="ko-KR" dirty="0">
+                <a:solidFill>
+                  <a:schemeClr val="tx1"/>
+                </a:solidFill>
+              </a:rPr>
+              <a:t>1.</a:t>
+            </a:r>
+            <a:r>
+              <a:rPr lang="ko-KR" altLang="en-US" dirty="0">
+                <a:solidFill>
+                  <a:schemeClr val="tx1"/>
+                </a:solidFill>
+              </a:rPr>
+              <a:t>모터 정지</a:t>
+            </a:r>
+            <a:endParaRPr lang="en-US" altLang="ko-KR" dirty="0">
+              <a:solidFill>
+                <a:schemeClr val="tx1"/>
+              </a:solidFill>
+            </a:endParaRPr>
+          </a:p>
+          <a:p>
+            <a:pPr algn="ctr"/>
+            <a:r>
+              <a:rPr lang="en-US" altLang="ko-KR" dirty="0">
+                <a:solidFill>
+                  <a:schemeClr val="tx1"/>
+                </a:solidFill>
+              </a:rPr>
+              <a:t>2.10cm</a:t>
+            </a:r>
+            <a:r>
+              <a:rPr lang="ko-KR" altLang="en-US" dirty="0">
+                <a:solidFill>
+                  <a:schemeClr val="tx1"/>
+                </a:solidFill>
+              </a:rPr>
+              <a:t>를 벗어나면 </a:t>
+            </a:r>
+            <a:r>
+              <a:rPr lang="ko-KR" altLang="en-US" dirty="0" err="1">
+                <a:solidFill>
+                  <a:schemeClr val="tx1"/>
+                </a:solidFill>
+              </a:rPr>
+              <a:t>가변저항값을</a:t>
+            </a:r>
+            <a:r>
+              <a:rPr lang="ko-KR" altLang="en-US" dirty="0">
+                <a:solidFill>
+                  <a:schemeClr val="tx1"/>
+                </a:solidFill>
+              </a:rPr>
+              <a:t> 읽어 첫 감속된 속도보다 낮으면 </a:t>
+            </a:r>
+            <a:r>
+              <a:rPr lang="ko-KR" altLang="en-US" dirty="0" err="1">
+                <a:solidFill>
+                  <a:schemeClr val="tx1"/>
+                </a:solidFill>
+              </a:rPr>
+              <a:t>읽은값으로</a:t>
+            </a:r>
+            <a:r>
+              <a:rPr lang="ko-KR" altLang="en-US" dirty="0">
+                <a:solidFill>
+                  <a:schemeClr val="tx1"/>
+                </a:solidFill>
+              </a:rPr>
+              <a:t> 조정</a:t>
+            </a:r>
+            <a:r>
+              <a:rPr lang="en-US" altLang="ko-KR" dirty="0">
+                <a:solidFill>
+                  <a:schemeClr val="tx1"/>
+                </a:solidFill>
+              </a:rPr>
+              <a:t>, </a:t>
+            </a:r>
+            <a:r>
+              <a:rPr lang="ko-KR" altLang="en-US" dirty="0">
+                <a:solidFill>
+                  <a:schemeClr val="tx1"/>
+                </a:solidFill>
+              </a:rPr>
+              <a:t>높으면 감속된 속도로 조정</a:t>
+            </a:r>
+            <a:endParaRPr lang="en-US" altLang="ko-KR" dirty="0">
+              <a:solidFill>
+                <a:schemeClr val="tx1"/>
+              </a:solidFill>
+            </a:endParaRPr>
+          </a:p>
+        </p:txBody>
+      </p:sp>
+      <p:sp>
+        <p:nvSpPr>
+          <p:cNvPr id="2" name="직사각형 1">
+            <a:extLst>
+              <a:ext uri="{FF2B5EF4-FFF2-40B4-BE49-F238E27FC236}">
+                <a16:creationId xmlns:a16="http://schemas.microsoft.com/office/drawing/2014/main" id="{4C7BAFDB-D8E6-4BD8-A4AC-5F5E7D35FFA6}"/>
+              </a:ext>
+            </a:extLst>
+          </p:cNvPr>
+          <p:cNvSpPr/>
+          <p:nvPr/>
+        </p:nvSpPr>
+        <p:spPr>
+          <a:xfrm>
+            <a:off x="0" y="1158939"/>
+            <a:ext cx="2389415" cy="1955735"/>
+          </a:xfrm>
+          <a:prstGeom prst="rect">
+            <a:avLst/>
+          </a:prstGeom>
+          <a:noFill/>
+        </p:spPr>
+        <p:style>
+          <a:lnRef idx="2">
+            <a:schemeClr val="accent1">
+              <a:shade val="15000"/>
+            </a:schemeClr>
+          </a:lnRef>
+          <a:fillRef idx="1">
+            <a:schemeClr val="accent1"/>
+          </a:fillRef>
+          <a:effectRef idx="0">
+            <a:schemeClr val="accent1"/>
+          </a:effectRef>
+          <a:fontRef idx="minor">
+            <a:schemeClr val="lt1"/>
+          </a:fontRef>
+        </p:style>
+        <p:txBody>
+          <a:bodyPr rtlCol="0" anchor="ctr"/>
+          <a:lstStyle/>
+          <a:p>
+            <a:pPr algn="ctr"/>
+            <a:r>
               <a:rPr lang="ko-KR" altLang="en-US" dirty="0">
                 <a:solidFill>
                   <a:schemeClr val="tx1"/>
@@ -5650,7 +5709,7 @@
     </p:spTree>
     <p:extLst>
       <p:ext uri="{BB962C8B-B14F-4D97-AF65-F5344CB8AC3E}">
-        <p14:creationId xmlns:p14="http://schemas.microsoft.com/office/powerpoint/2010/main" val="4033071503"/>
+        <p14:creationId xmlns:p14="http://schemas.microsoft.com/office/powerpoint/2010/main" val="731221759"/>
       </p:ext>
     </p:extLst>
   </p:cSld>
@@ -6402,7 +6461,7 @@
         <p:spPr>
           <a:xfrm>
             <a:off x="4912180" y="3114675"/>
-            <a:ext cx="7279820" cy="387416"/>
+            <a:ext cx="7279820" cy="387415"/>
           </a:xfrm>
           <a:prstGeom prst="rect">
             <a:avLst/>
@@ -6436,7 +6495,7 @@
                   <a:schemeClr val="tx1"/>
                 </a:solidFill>
               </a:rPr>
-              <a:t>장애물</a:t>
+              <a:t>감속</a:t>
             </a:r>
             <a:r>
               <a:rPr lang="en-US" altLang="ko-KR" dirty="0">
@@ -6444,7 +6503,7 @@
                   <a:schemeClr val="tx1"/>
                 </a:solidFill>
               </a:rPr>
-              <a:t>(10cm </a:t>
+              <a:t>, </a:t>
             </a:r>
             <a:r>
               <a:rPr lang="ko-KR" altLang="en-US" dirty="0">
@@ -6452,7 +6511,7 @@
                   <a:schemeClr val="tx1"/>
                 </a:solidFill>
               </a:rPr>
-              <a:t>이내</a:t>
+              <a:t>정지모드</a:t>
             </a:r>
             <a:r>
               <a:rPr lang="en-US" altLang="ko-KR" dirty="0">
@@ -6460,7 +6519,7 @@
                   <a:schemeClr val="tx1"/>
                 </a:solidFill>
               </a:rPr>
-              <a:t>) -&gt; </a:t>
+              <a:t>(</a:t>
             </a:r>
             <a:r>
               <a:rPr lang="ko-KR" altLang="en-US" dirty="0">
@@ -6468,8 +6527,21 @@
                   <a:schemeClr val="tx1"/>
                 </a:solidFill>
               </a:rPr>
-              <a:t>초음파센서 사용</a:t>
-            </a:r>
+              <a:t>청색</a:t>
+            </a:r>
+            <a:r>
+              <a:rPr lang="en-US" altLang="ko-KR" dirty="0">
+                <a:solidFill>
+                  <a:schemeClr val="tx1"/>
+                </a:solidFill>
+              </a:rPr>
+              <a:t>LED)</a:t>
+            </a:r>
+            <a:endParaRPr lang="ko-KR" altLang="en-US" dirty="0">
+              <a:solidFill>
+                <a:schemeClr val="tx1"/>
+              </a:solidFill>
+            </a:endParaRPr>
           </a:p>
         </p:txBody>
       </p:sp>
@@ -6488,7 +6560,7 @@
         <p:spPr>
           <a:xfrm>
             <a:off x="4912180" y="3502090"/>
-            <a:ext cx="2389414" cy="1955735"/>
+            <a:ext cx="7279820" cy="1955735"/>
           </a:xfrm>
           <a:prstGeom prst="rect">
             <a:avLst/>
@@ -6530,7 +6602,74 @@
                   <a:schemeClr val="tx1"/>
                 </a:solidFill>
               </a:rPr>
-              <a:t>모터 정지</a:t>
+              <a:t> </a:t>
+            </a:r>
+            <a:r>
+              <a:rPr lang="ko-KR" altLang="en-US" dirty="0" err="1">
+                <a:solidFill>
+                  <a:schemeClr val="tx1"/>
+                </a:solidFill>
+              </a:rPr>
+              <a:t>정지모드일</a:t>
+            </a:r>
+            <a:r>
+              <a:rPr lang="ko-KR" altLang="en-US" dirty="0">
+                <a:solidFill>
+                  <a:schemeClr val="tx1"/>
+                </a:solidFill>
+              </a:rPr>
+              <a:t> 경우 청색</a:t>
+            </a:r>
+            <a:r>
+              <a:rPr lang="en-US" altLang="ko-KR" dirty="0">
+                <a:solidFill>
+                  <a:schemeClr val="tx1"/>
+                </a:solidFill>
+              </a:rPr>
+              <a:t>LED on</a:t>
+            </a:r>
+          </a:p>
+          <a:p>
+            <a:pPr algn="ctr"/>
+            <a:r>
+              <a:rPr lang="en-US" altLang="ko-KR" dirty="0">
+                <a:solidFill>
+                  <a:schemeClr val="tx1"/>
+                </a:solidFill>
+              </a:rPr>
+              <a:t>2. </a:t>
+            </a:r>
+            <a:r>
+              <a:rPr lang="ko-KR" altLang="en-US" dirty="0" err="1">
+                <a:solidFill>
+                  <a:schemeClr val="tx1"/>
+                </a:solidFill>
+              </a:rPr>
+              <a:t>감속모드일</a:t>
+            </a:r>
+            <a:r>
+              <a:rPr lang="ko-KR" altLang="en-US" dirty="0">
+                <a:solidFill>
+                  <a:schemeClr val="tx1"/>
+                </a:solidFill>
+              </a:rPr>
+              <a:t> 경우 청색</a:t>
+            </a:r>
+            <a:r>
+              <a:rPr lang="en-US" altLang="ko-KR" dirty="0">
+                <a:solidFill>
+                  <a:schemeClr val="tx1"/>
+                </a:solidFill>
+              </a:rPr>
+              <a:t>LED 0.2</a:t>
+            </a:r>
+            <a:r>
+              <a:rPr lang="ko-KR" altLang="en-US" dirty="0" err="1">
+                <a:solidFill>
+                  <a:schemeClr val="tx1"/>
+                </a:solidFill>
+              </a:rPr>
+              <a:t>초주기</a:t>
             </a:r>
             <a:endParaRPr lang="en-US" altLang="ko-KR" dirty="0">
               <a:solidFill>
@@ -6538,38 +6677,14 @@
               </a:solidFill>
             </a:endParaRPr>
           </a:p>
-          <a:p>
-            <a:pPr algn="ctr"/>
-            <a:r>
-              <a:rPr lang="en-US" altLang="ko-KR" dirty="0">
-                <a:solidFill>
-                  <a:schemeClr val="tx1"/>
-                </a:solidFill>
-              </a:rPr>
-              <a:t>2.10cm</a:t>
-            </a:r>
-            <a:r>
-              <a:rPr lang="ko-KR" altLang="en-US" dirty="0">
-                <a:solidFill>
-                  <a:schemeClr val="tx1"/>
-                </a:solidFill>
-              </a:rPr>
-              <a:t>를 벗어나면 감속된 속도로 복원</a:t>
-            </a:r>
-            <a:endParaRPr lang="en-US" altLang="ko-KR" dirty="0">
-              <a:solidFill>
-                <a:schemeClr val="tx1"/>
-              </a:solidFill>
-            </a:endParaRPr>
-          </a:p>
-        </p:txBody>
-      </p:sp>
-      <p:sp>
-        <p:nvSpPr>
-          <p:cNvPr id="34" name="직사각형 33">
-            <a:extLst>
-              <a:ext uri="{FF2B5EF4-FFF2-40B4-BE49-F238E27FC236}">
-                <a16:creationId xmlns:a16="http://schemas.microsoft.com/office/drawing/2014/main" id="{C27163BB-9206-E5CB-7B20-57822385F818}"/>
+        </p:txBody>
+      </p:sp>
+      <p:sp>
+        <p:nvSpPr>
+          <p:cNvPr id="2" name="직사각형 1">
+            <a:extLst>
+              <a:ext uri="{FF2B5EF4-FFF2-40B4-BE49-F238E27FC236}">
+                <a16:creationId xmlns:a16="http://schemas.microsoft.com/office/drawing/2014/main" id="{05EFBB48-973E-6FDE-FA10-B75273643A08}"/>
               </a:ext>
             </a:extLst>
           </p:cNvPr>
@@ -6578,8 +6693,8 @@
         </p:nvSpPr>
         <p:spPr>
           <a:xfrm>
-            <a:off x="9802586" y="3502090"/>
-            <a:ext cx="2389414" cy="1955735"/>
+            <a:off x="0" y="1158939"/>
+            <a:ext cx="2389415" cy="1955735"/>
           </a:xfrm>
           <a:prstGeom prst="rect">
             <a:avLst/>
@@ -6608,145 +6723,6 @@
           <a:p>
             <a:pPr algn="ctr"/>
             <a:r>
-              <a:rPr lang="en-US" altLang="ko-KR" dirty="0">
-                <a:solidFill>
-                  <a:schemeClr val="tx1"/>
-                </a:solidFill>
-              </a:rPr>
-              <a:t>1.</a:t>
-            </a:r>
-            <a:r>
-              <a:rPr lang="ko-KR" altLang="en-US" dirty="0">
-                <a:solidFill>
-                  <a:schemeClr val="tx1"/>
-                </a:solidFill>
-              </a:rPr>
-              <a:t>모터 정지</a:t>
-            </a:r>
-            <a:endParaRPr lang="en-US" altLang="ko-KR" dirty="0">
-              <a:solidFill>
-                <a:schemeClr val="tx1"/>
-              </a:solidFill>
-            </a:endParaRPr>
-          </a:p>
-          <a:p>
-            <a:pPr algn="ctr"/>
-            <a:r>
-              <a:rPr lang="en-US" altLang="ko-KR" dirty="0">
-                <a:solidFill>
-                  <a:schemeClr val="tx1"/>
-                </a:solidFill>
-              </a:rPr>
-              <a:t>2.10cm</a:t>
-            </a:r>
-            <a:r>
-              <a:rPr lang="ko-KR" altLang="en-US" dirty="0">
-                <a:solidFill>
-                  <a:schemeClr val="tx1"/>
-                </a:solidFill>
-              </a:rPr>
-              <a:t>를 벗어나면 </a:t>
-            </a:r>
-            <a:r>
-              <a:rPr lang="ko-KR" altLang="en-US" dirty="0" err="1">
-                <a:solidFill>
-                  <a:schemeClr val="tx1"/>
-                </a:solidFill>
-              </a:rPr>
-              <a:t>가변저항값을</a:t>
-            </a:r>
-            <a:r>
-              <a:rPr lang="ko-KR" altLang="en-US" dirty="0">
-                <a:solidFill>
-                  <a:schemeClr val="tx1"/>
-                </a:solidFill>
-              </a:rPr>
-              <a:t> 읽어 첫 감속된 속도보다 낮으면 </a:t>
-            </a:r>
-            <a:r>
-              <a:rPr lang="ko-KR" altLang="en-US" dirty="0" err="1">
-                <a:solidFill>
-                  <a:schemeClr val="tx1"/>
-                </a:solidFill>
-              </a:rPr>
-              <a:t>읽은값으로</a:t>
-            </a:r>
-            <a:r>
-              <a:rPr lang="ko-KR" altLang="en-US" dirty="0">
-                <a:solidFill>
-                  <a:schemeClr val="tx1"/>
-                </a:solidFill>
-              </a:rPr>
-              <a:t> 조정</a:t>
-            </a:r>
-            <a:r>
-              <a:rPr lang="en-US" altLang="ko-KR" dirty="0">
-                <a:solidFill>
-                  <a:schemeClr val="tx1"/>
-                </a:solidFill>
-              </a:rPr>
-              <a:t>, </a:t>
-            </a:r>
-            <a:r>
-              <a:rPr lang="ko-KR" altLang="en-US" dirty="0">
-                <a:solidFill>
-                  <a:schemeClr val="tx1"/>
-                </a:solidFill>
-              </a:rPr>
-              <a:t>높으면 감속된 속도로 조정</a:t>
-            </a:r>
-            <a:endParaRPr lang="en-US" altLang="ko-KR" dirty="0">
-              <a:solidFill>
-                <a:schemeClr val="tx1"/>
-              </a:solidFill>
-            </a:endParaRPr>
-          </a:p>
-        </p:txBody>
-      </p:sp>
-      <p:sp>
-        <p:nvSpPr>
-          <p:cNvPr id="2" name="직사각형 1">
-            <a:extLst>
-              <a:ext uri="{FF2B5EF4-FFF2-40B4-BE49-F238E27FC236}">
-                <a16:creationId xmlns:a16="http://schemas.microsoft.com/office/drawing/2014/main" id="{4C7BAFDB-D8E6-4BD8-A4AC-5F5E7D35FFA6}"/>
-              </a:ext>
-            </a:extLst>
-          </p:cNvPr>
-          <p:cNvSpPr/>
-          <p:nvPr/>
-        </p:nvSpPr>
-        <p:spPr>
-          <a:xfrm>
-            <a:off x="0" y="1158939"/>
-            <a:ext cx="2389415" cy="1955735"/>
-          </a:xfrm>
-          <a:prstGeom prst="rect">
-            <a:avLst/>
-          </a:prstGeom>
-          <a:noFill/>
-        </p:spPr>
-        <p:style>
-          <a:lnRef idx="2">
-            <a:schemeClr val="accent1">
-              <a:shade val="15000"/>
-            </a:schemeClr>
-          </a:lnRef>
-          <a:fillRef idx="1">
-            <a:schemeClr val="accent1"/>
-          </a:fillRef>
-          <a:effectRef idx="0">
-            <a:schemeClr val="accent1"/>
-          </a:effectRef>
-          <a:fontRef idx="minor">
-            <a:schemeClr val="lt1"/>
-          </a:fontRef>
-        </p:style>
-        <p:txBody>
-          <a:bodyPr rtlCol="0" anchor="ctr"/>
-          <a:lstStyle/>
-          <a:p>
-            <a:pPr algn="ctr"/>
-            <a:r>
               <a:rPr lang="ko-KR" altLang="en-US" dirty="0">
                 <a:solidFill>
                   <a:schemeClr val="tx1"/>
@@ -6824,7 +6800,7 @@
     </p:spTree>
     <p:extLst>
       <p:ext uri="{BB962C8B-B14F-4D97-AF65-F5344CB8AC3E}">
-        <p14:creationId xmlns:p14="http://schemas.microsoft.com/office/powerpoint/2010/main" val="731221759"/>
+        <p14:creationId xmlns:p14="http://schemas.microsoft.com/office/powerpoint/2010/main" val="4033071503"/>
       </p:ext>
     </p:extLst>
   </p:cSld>
